--- a/Fase 3/Evidencias Grupales/Libreria Estrella.pptx
+++ b/Fase 3/Evidencias Grupales/Libreria Estrella.pptx
@@ -17,8 +17,6 @@
     <p:sldId id="262" r:id="rId12"/>
     <p:sldId id="263" r:id="rId13"/>
     <p:sldId id="264" r:id="rId14"/>
-    <p:sldId id="265" r:id="rId15"/>
-    <p:sldId id="266" r:id="rId16"/>
   </p:sldIdLst>
   <p:sldSz cy="6858000" cx="12192000"/>
   <p:notesSz cx="6858000" cy="9144000"/>
@@ -779,204 +777,6 @@
 </p:notes>
 </file>
 
-<file path=ppt/notesSlides/notesSlide10.xml><?xml version="1.0" encoding="utf-8"?>
-<p:notes xmlns:a="http://schemas.openxmlformats.org/drawingml/2006/main" xmlns:r="http://schemas.openxmlformats.org/officeDocument/2006/relationships" xmlns:mc="http://schemas.openxmlformats.org/markup-compatibility/2006" xmlns:mv="urn:schemas-microsoft-com:mac:vml" xmlns:p="http://schemas.openxmlformats.org/presentationml/2006/main" xmlns:c="http://schemas.openxmlformats.org/drawingml/2006/chart" xmlns:dgm="http://schemas.openxmlformats.org/drawingml/2006/diagram" xmlns:o="urn:schemas-microsoft-com:office:office" xmlns:v="urn:schemas-microsoft-com:vml" xmlns:pvml="urn:schemas-microsoft-com:office:powerpoint" xmlns:com="http://schemas.openxmlformats.org/drawingml/2006/compatibility" xmlns:p14="http://schemas.microsoft.com/office/powerpoint/2010/main" xmlns:p15="http://schemas.microsoft.com/office/powerpoint/2012/main" xmlns:ahyp="http://schemas.microsoft.com/office/drawing/2018/hyperlinkcolor" showMasterPhAnim="0" showMasterSp="0">
-  <p:cSld>
-    <p:spTree>
-      <p:nvGrpSpPr>
-        <p:cNvPr id="159" name="Shape 159"/>
-        <p:cNvGrpSpPr/>
-        <p:nvPr/>
-      </p:nvGrpSpPr>
-      <p:grpSpPr>
-        <a:xfrm>
-          <a:off x="0" y="0"/>
-          <a:ext cx="0" cy="0"/>
-          <a:chOff x="0" y="0"/>
-          <a:chExt cx="0" cy="0"/>
-        </a:xfrm>
-      </p:grpSpPr>
-      <p:sp>
-        <p:nvSpPr>
-          <p:cNvPr id="160" name="Google Shape;160;p13:notes"/>
-          <p:cNvSpPr txBox="1"/>
-          <p:nvPr>
-            <p:ph idx="1" type="body"/>
-          </p:nvPr>
-        </p:nvSpPr>
-        <p:spPr>
-          <a:xfrm>
-            <a:off x="685800" y="4343400"/>
-            <a:ext cx="5486400" cy="4114800"/>
-          </a:xfrm>
-          <a:prstGeom prst="rect">
-            <a:avLst/>
-          </a:prstGeom>
-        </p:spPr>
-        <p:txBody>
-          <a:bodyPr anchorCtr="0" anchor="t" bIns="91425" lIns="91425" spcFirstLastPara="1" rIns="91425" wrap="square" tIns="91425">
-            <a:noAutofit/>
-          </a:bodyPr>
-          <a:lstStyle/>
-          <a:p>
-            <a:pPr indent="0" lvl="0" marL="0" rtl="0" algn="l">
-              <a:spcBef>
-                <a:spcPts val="0"/>
-              </a:spcBef>
-              <a:spcAft>
-                <a:spcPts val="0"/>
-              </a:spcAft>
-              <a:buNone/>
-            </a:pPr>
-            <a:r>
-              <a:t/>
-            </a:r>
-            <a:endParaRPr/>
-          </a:p>
-        </p:txBody>
-      </p:sp>
-      <p:sp>
-        <p:nvSpPr>
-          <p:cNvPr id="161" name="Google Shape;161;p13:notes"/>
-          <p:cNvSpPr/>
-          <p:nvPr>
-            <p:ph idx="2" type="sldImg"/>
-          </p:nvPr>
-        </p:nvSpPr>
-        <p:spPr>
-          <a:xfrm>
-            <a:off x="1143225" y="685800"/>
-            <a:ext cx="4572225" cy="3429000"/>
-          </a:xfrm>
-          <a:custGeom>
-            <a:rect b="b" l="l" r="r" t="t"/>
-            <a:pathLst>
-              <a:path extrusionOk="0" h="120000" w="120000">
-                <a:moveTo>
-                  <a:pt x="0" y="0"/>
-                </a:moveTo>
-                <a:lnTo>
-                  <a:pt x="120000" y="0"/>
-                </a:lnTo>
-                <a:lnTo>
-                  <a:pt x="120000" y="120000"/>
-                </a:lnTo>
-                <a:lnTo>
-                  <a:pt x="0" y="120000"/>
-                </a:lnTo>
-                <a:close/>
-              </a:path>
-            </a:pathLst>
-          </a:custGeom>
-        </p:spPr>
-      </p:sp>
-    </p:spTree>
-  </p:cSld>
-  <p:clrMapOvr>
-    <a:masterClrMapping/>
-  </p:clrMapOvr>
-</p:notes>
-</file>
-
-<file path=ppt/notesSlides/notesSlide11.xml><?xml version="1.0" encoding="utf-8"?>
-<p:notes xmlns:a="http://schemas.openxmlformats.org/drawingml/2006/main" xmlns:r="http://schemas.openxmlformats.org/officeDocument/2006/relationships" xmlns:mc="http://schemas.openxmlformats.org/markup-compatibility/2006" xmlns:mv="urn:schemas-microsoft-com:mac:vml" xmlns:p="http://schemas.openxmlformats.org/presentationml/2006/main" xmlns:c="http://schemas.openxmlformats.org/drawingml/2006/chart" xmlns:dgm="http://schemas.openxmlformats.org/drawingml/2006/diagram" xmlns:o="urn:schemas-microsoft-com:office:office" xmlns:v="urn:schemas-microsoft-com:vml" xmlns:pvml="urn:schemas-microsoft-com:office:powerpoint" xmlns:com="http://schemas.openxmlformats.org/drawingml/2006/compatibility" xmlns:p14="http://schemas.microsoft.com/office/powerpoint/2010/main" xmlns:p15="http://schemas.microsoft.com/office/powerpoint/2012/main" xmlns:ahyp="http://schemas.microsoft.com/office/drawing/2018/hyperlinkcolor" showMasterPhAnim="0" showMasterSp="0">
-  <p:cSld>
-    <p:spTree>
-      <p:nvGrpSpPr>
-        <p:cNvPr id="165" name="Shape 165"/>
-        <p:cNvGrpSpPr/>
-        <p:nvPr/>
-      </p:nvGrpSpPr>
-      <p:grpSpPr>
-        <a:xfrm>
-          <a:off x="0" y="0"/>
-          <a:ext cx="0" cy="0"/>
-          <a:chOff x="0" y="0"/>
-          <a:chExt cx="0" cy="0"/>
-        </a:xfrm>
-      </p:grpSpPr>
-      <p:sp>
-        <p:nvSpPr>
-          <p:cNvPr id="166" name="Google Shape;166;p14:notes"/>
-          <p:cNvSpPr txBox="1"/>
-          <p:nvPr>
-            <p:ph idx="1" type="body"/>
-          </p:nvPr>
-        </p:nvSpPr>
-        <p:spPr>
-          <a:xfrm>
-            <a:off x="685800" y="4343400"/>
-            <a:ext cx="5486400" cy="4114800"/>
-          </a:xfrm>
-          <a:prstGeom prst="rect">
-            <a:avLst/>
-          </a:prstGeom>
-        </p:spPr>
-        <p:txBody>
-          <a:bodyPr anchorCtr="0" anchor="t" bIns="91425" lIns="91425" spcFirstLastPara="1" rIns="91425" wrap="square" tIns="91425">
-            <a:noAutofit/>
-          </a:bodyPr>
-          <a:lstStyle/>
-          <a:p>
-            <a:pPr indent="0" lvl="0" marL="0" rtl="0" algn="l">
-              <a:spcBef>
-                <a:spcPts val="0"/>
-              </a:spcBef>
-              <a:spcAft>
-                <a:spcPts val="0"/>
-              </a:spcAft>
-              <a:buNone/>
-            </a:pPr>
-            <a:r>
-              <a:t/>
-            </a:r>
-            <a:endParaRPr/>
-          </a:p>
-        </p:txBody>
-      </p:sp>
-      <p:sp>
-        <p:nvSpPr>
-          <p:cNvPr id="167" name="Google Shape;167;p14:notes"/>
-          <p:cNvSpPr/>
-          <p:nvPr>
-            <p:ph idx="2" type="sldImg"/>
-          </p:nvPr>
-        </p:nvSpPr>
-        <p:spPr>
-          <a:xfrm>
-            <a:off x="1143225" y="685800"/>
-            <a:ext cx="4572225" cy="3429000"/>
-          </a:xfrm>
-          <a:custGeom>
-            <a:rect b="b" l="l" r="r" t="t"/>
-            <a:pathLst>
-              <a:path extrusionOk="0" h="120000" w="120000">
-                <a:moveTo>
-                  <a:pt x="0" y="0"/>
-                </a:moveTo>
-                <a:lnTo>
-                  <a:pt x="120000" y="0"/>
-                </a:lnTo>
-                <a:lnTo>
-                  <a:pt x="120000" y="120000"/>
-                </a:lnTo>
-                <a:lnTo>
-                  <a:pt x="0" y="120000"/>
-                </a:lnTo>
-                <a:close/>
-              </a:path>
-            </a:pathLst>
-          </a:custGeom>
-        </p:spPr>
-      </p:sp>
-    </p:spTree>
-  </p:cSld>
-  <p:clrMapOvr>
-    <a:masterClrMapping/>
-  </p:clrMapOvr>
-</p:notes>
-</file>
-
 <file path=ppt/notesSlides/notesSlide2.xml><?xml version="1.0" encoding="utf-8"?>
 <p:notes xmlns:a="http://schemas.openxmlformats.org/drawingml/2006/main" xmlns:r="http://schemas.openxmlformats.org/officeDocument/2006/relationships" xmlns:mc="http://schemas.openxmlformats.org/markup-compatibility/2006" xmlns:mv="urn:schemas-microsoft-com:mac:vml" xmlns:p="http://schemas.openxmlformats.org/presentationml/2006/main" xmlns:c="http://schemas.openxmlformats.org/drawingml/2006/chart" xmlns:dgm="http://schemas.openxmlformats.org/drawingml/2006/diagram" xmlns:o="urn:schemas-microsoft-com:office:office" xmlns:v="urn:schemas-microsoft-com:vml" xmlns:pvml="urn:schemas-microsoft-com:office:powerpoint" xmlns:com="http://schemas.openxmlformats.org/drawingml/2006/compatibility" xmlns:p14="http://schemas.microsoft.com/office/powerpoint/2010/main" xmlns:p15="http://schemas.microsoft.com/office/powerpoint/2012/main" xmlns:ahyp="http://schemas.microsoft.com/office/drawing/2018/hyperlinkcolor" showMasterPhAnim="0" showMasterSp="0">
   <p:cSld>
@@ -1293,7 +1093,7 @@
       </p:grpSpPr>
       <p:sp>
         <p:nvSpPr>
-          <p:cNvPr id="119" name="Google Shape;119;p6:notes"/>
+          <p:cNvPr id="119" name="Google Shape;119;p8:notes"/>
           <p:cNvSpPr txBox="1"/>
           <p:nvPr>
             <p:ph idx="1" type="body"/>
@@ -1332,7 +1132,7 @@
       </p:sp>
       <p:sp>
         <p:nvSpPr>
-          <p:cNvPr id="120" name="Google Shape;120;p6:notes"/>
+          <p:cNvPr id="120" name="Google Shape;120;p8:notes"/>
           <p:cNvSpPr/>
           <p:nvPr>
             <p:ph idx="2" type="sldImg"/>
@@ -1378,7 +1178,7 @@
   <p:cSld>
     <p:spTree>
       <p:nvGrpSpPr>
-        <p:cNvPr id="126" name="Shape 126"/>
+        <p:cNvPr id="127" name="Shape 127"/>
         <p:cNvGrpSpPr/>
         <p:nvPr/>
       </p:nvGrpSpPr>
@@ -1392,7 +1192,7 @@
       </p:grpSpPr>
       <p:sp>
         <p:nvSpPr>
-          <p:cNvPr id="127" name="Google Shape;127;p8:notes"/>
+          <p:cNvPr id="128" name="Google Shape;128;p10:notes"/>
           <p:cNvSpPr txBox="1"/>
           <p:nvPr>
             <p:ph idx="1" type="body"/>
@@ -1431,7 +1231,7 @@
       </p:sp>
       <p:sp>
         <p:nvSpPr>
-          <p:cNvPr id="128" name="Google Shape;128;p8:notes"/>
+          <p:cNvPr id="129" name="Google Shape;129;p10:notes"/>
           <p:cNvSpPr/>
           <p:nvPr>
             <p:ph idx="2" type="sldImg"/>
@@ -1477,7 +1277,7 @@
   <p:cSld>
     <p:spTree>
       <p:nvGrpSpPr>
-        <p:cNvPr id="135" name="Shape 135"/>
+        <p:cNvPr id="139" name="Shape 139"/>
         <p:cNvGrpSpPr/>
         <p:nvPr/>
       </p:nvGrpSpPr>
@@ -1491,7 +1291,7 @@
       </p:grpSpPr>
       <p:sp>
         <p:nvSpPr>
-          <p:cNvPr id="136" name="Google Shape;136;p10:notes"/>
+          <p:cNvPr id="140" name="Google Shape;140;p11:notes"/>
           <p:cNvSpPr txBox="1"/>
           <p:nvPr>
             <p:ph idx="1" type="body"/>
@@ -1530,7 +1330,7 @@
       </p:sp>
       <p:sp>
         <p:nvSpPr>
-          <p:cNvPr id="137" name="Google Shape;137;p10:notes"/>
+          <p:cNvPr id="141" name="Google Shape;141;p11:notes"/>
           <p:cNvSpPr/>
           <p:nvPr>
             <p:ph idx="2" type="sldImg"/>
@@ -1576,7 +1376,7 @@
   <p:cSld>
     <p:spTree>
       <p:nvGrpSpPr>
-        <p:cNvPr id="147" name="Shape 147"/>
+        <p:cNvPr id="145" name="Shape 145"/>
         <p:cNvGrpSpPr/>
         <p:nvPr/>
       </p:nvGrpSpPr>
@@ -1590,7 +1390,7 @@
       </p:grpSpPr>
       <p:sp>
         <p:nvSpPr>
-          <p:cNvPr id="148" name="Google Shape;148;p11:notes"/>
+          <p:cNvPr id="146" name="Google Shape;146;p13:notes"/>
           <p:cNvSpPr txBox="1"/>
           <p:nvPr>
             <p:ph idx="1" type="body"/>
@@ -1629,7 +1429,7 @@
       </p:sp>
       <p:sp>
         <p:nvSpPr>
-          <p:cNvPr id="149" name="Google Shape;149;p11:notes"/>
+          <p:cNvPr id="147" name="Google Shape;147;p13:notes"/>
           <p:cNvSpPr/>
           <p:nvPr>
             <p:ph idx="2" type="sldImg"/>
@@ -1675,7 +1475,7 @@
   <p:cSld>
     <p:spTree>
       <p:nvGrpSpPr>
-        <p:cNvPr id="153" name="Shape 153"/>
+        <p:cNvPr id="152" name="Shape 152"/>
         <p:cNvGrpSpPr/>
         <p:nvPr/>
       </p:nvGrpSpPr>
@@ -1689,7 +1489,7 @@
       </p:grpSpPr>
       <p:sp>
         <p:nvSpPr>
-          <p:cNvPr id="154" name="Google Shape;154;p12:notes"/>
+          <p:cNvPr id="153" name="Google Shape;153;p14:notes"/>
           <p:cNvSpPr txBox="1"/>
           <p:nvPr>
             <p:ph idx="1" type="body"/>
@@ -1728,7 +1528,7 @@
       </p:sp>
       <p:sp>
         <p:nvSpPr>
-          <p:cNvPr id="155" name="Google Shape;155;p12:notes"/>
+          <p:cNvPr id="154" name="Google Shape;154;p14:notes"/>
           <p:cNvSpPr/>
           <p:nvPr>
             <p:ph idx="2" type="sldImg"/>
@@ -12019,210 +11819,6 @@
 </p:sld>
 </file>
 
-<file path=ppt/slides/slide10.xml><?xml version="1.0" encoding="utf-8"?>
-<p:sld xmlns:a="http://schemas.openxmlformats.org/drawingml/2006/main" xmlns:r="http://schemas.openxmlformats.org/officeDocument/2006/relationships" xmlns:mc="http://schemas.openxmlformats.org/markup-compatibility/2006" xmlns:mv="urn:schemas-microsoft-com:mac:vml" xmlns:p="http://schemas.openxmlformats.org/presentationml/2006/main" xmlns:c="http://schemas.openxmlformats.org/drawingml/2006/chart" xmlns:dgm="http://schemas.openxmlformats.org/drawingml/2006/diagram" xmlns:o="urn:schemas-microsoft-com:office:office" xmlns:v="urn:schemas-microsoft-com:vml" xmlns:pvml="urn:schemas-microsoft-com:office:powerpoint" xmlns:com="http://schemas.openxmlformats.org/drawingml/2006/compatibility" xmlns:p14="http://schemas.microsoft.com/office/powerpoint/2010/main" xmlns:p15="http://schemas.microsoft.com/office/powerpoint/2012/main" xmlns:ahyp="http://schemas.microsoft.com/office/drawing/2018/hyperlinkcolor">
-  <p:cSld>
-    <p:spTree>
-      <p:nvGrpSpPr>
-        <p:cNvPr id="162" name="Shape 162"/>
-        <p:cNvGrpSpPr/>
-        <p:nvPr/>
-      </p:nvGrpSpPr>
-      <p:grpSpPr>
-        <a:xfrm>
-          <a:off x="0" y="0"/>
-          <a:ext cx="0" cy="0"/>
-          <a:chOff x="0" y="0"/>
-          <a:chExt cx="0" cy="0"/>
-        </a:xfrm>
-      </p:grpSpPr>
-      <p:pic>
-        <p:nvPicPr>
-          <p:cNvPr descr="EscuelaIT Duoc UC - Escuela de Informática y Telecomunicaciones Duoc UC - Duoc  UC | LinkedIn" id="163" name="Google Shape;163;p22"/>
-          <p:cNvPicPr preferRelativeResize="0"/>
-          <p:nvPr/>
-        </p:nvPicPr>
-        <p:blipFill rotWithShape="1">
-          <a:blip r:embed="rId3">
-            <a:alphaModFix/>
-          </a:blip>
-          <a:srcRect b="0" l="0" r="0" t="0"/>
-          <a:stretch/>
-        </p:blipFill>
-        <p:spPr>
-          <a:xfrm>
-            <a:off x="8772152" y="207550"/>
-            <a:ext cx="3141406" cy="785352"/>
-          </a:xfrm>
-          <a:prstGeom prst="rect">
-            <a:avLst/>
-          </a:prstGeom>
-          <a:noFill/>
-          <a:ln>
-            <a:noFill/>
-          </a:ln>
-        </p:spPr>
-      </p:pic>
-      <p:sp>
-        <p:nvSpPr>
-          <p:cNvPr id="164" name="Google Shape;164;p22"/>
-          <p:cNvSpPr txBox="1"/>
-          <p:nvPr/>
-        </p:nvSpPr>
-        <p:spPr>
-          <a:xfrm>
-            <a:off x="1" y="1360773"/>
-            <a:ext cx="12191999" cy="769441"/>
-          </a:xfrm>
-          <a:prstGeom prst="rect">
-            <a:avLst/>
-          </a:prstGeom>
-          <a:noFill/>
-          <a:ln>
-            <a:noFill/>
-          </a:ln>
-        </p:spPr>
-        <p:txBody>
-          <a:bodyPr anchorCtr="0" anchor="t" bIns="45700" lIns="91425" spcFirstLastPara="1" rIns="91425" wrap="square" tIns="45700">
-            <a:spAutoFit/>
-          </a:bodyPr>
-          <a:lstStyle/>
-          <a:p>
-            <a:pPr indent="0" lvl="0" marL="0" marR="0" rtl="0" algn="ctr">
-              <a:spcBef>
-                <a:spcPts val="0"/>
-              </a:spcBef>
-              <a:spcAft>
-                <a:spcPts val="0"/>
-              </a:spcAft>
-              <a:buNone/>
-            </a:pPr>
-            <a:r>
-              <a:rPr lang="es-CL" sz="4400">
-                <a:solidFill>
-                  <a:schemeClr val="dk1"/>
-                </a:solidFill>
-                <a:latin typeface="Calibri"/>
-                <a:ea typeface="Calibri"/>
-                <a:cs typeface="Calibri"/>
-                <a:sym typeface="Calibri"/>
-              </a:rPr>
-              <a:t>Obstáculos presentados durante el desarrollo</a:t>
-            </a:r>
-            <a:endParaRPr/>
-          </a:p>
-        </p:txBody>
-      </p:sp>
-    </p:spTree>
-  </p:cSld>
-  <p:clrMapOvr>
-    <a:masterClrMapping/>
-  </p:clrMapOvr>
-</p:sld>
-</file>
-
-<file path=ppt/slides/slide11.xml><?xml version="1.0" encoding="utf-8"?>
-<p:sld xmlns:a="http://schemas.openxmlformats.org/drawingml/2006/main" xmlns:r="http://schemas.openxmlformats.org/officeDocument/2006/relationships" xmlns:mc="http://schemas.openxmlformats.org/markup-compatibility/2006" xmlns:mv="urn:schemas-microsoft-com:mac:vml" xmlns:p="http://schemas.openxmlformats.org/presentationml/2006/main" xmlns:c="http://schemas.openxmlformats.org/drawingml/2006/chart" xmlns:dgm="http://schemas.openxmlformats.org/drawingml/2006/diagram" xmlns:o="urn:schemas-microsoft-com:office:office" xmlns:v="urn:schemas-microsoft-com:vml" xmlns:pvml="urn:schemas-microsoft-com:office:powerpoint" xmlns:com="http://schemas.openxmlformats.org/drawingml/2006/compatibility" xmlns:p14="http://schemas.microsoft.com/office/powerpoint/2010/main" xmlns:p15="http://schemas.microsoft.com/office/powerpoint/2012/main" xmlns:ahyp="http://schemas.microsoft.com/office/drawing/2018/hyperlinkcolor">
-  <p:cSld>
-    <p:spTree>
-      <p:nvGrpSpPr>
-        <p:cNvPr id="168" name="Shape 168"/>
-        <p:cNvGrpSpPr/>
-        <p:nvPr/>
-      </p:nvGrpSpPr>
-      <p:grpSpPr>
-        <a:xfrm>
-          <a:off x="0" y="0"/>
-          <a:ext cx="0" cy="0"/>
-          <a:chOff x="0" y="0"/>
-          <a:chExt cx="0" cy="0"/>
-        </a:xfrm>
-      </p:grpSpPr>
-      <p:pic>
-        <p:nvPicPr>
-          <p:cNvPr descr="EscuelaIT Duoc UC - Escuela de Informática y Telecomunicaciones Duoc UC - Duoc  UC | LinkedIn" id="169" name="Google Shape;169;p23"/>
-          <p:cNvPicPr preferRelativeResize="0"/>
-          <p:nvPr/>
-        </p:nvPicPr>
-        <p:blipFill rotWithShape="1">
-          <a:blip r:embed="rId3">
-            <a:alphaModFix/>
-          </a:blip>
-          <a:srcRect b="0" l="0" r="0" t="0"/>
-          <a:stretch/>
-        </p:blipFill>
-        <p:spPr>
-          <a:xfrm>
-            <a:off x="8772152" y="207550"/>
-            <a:ext cx="3141406" cy="785352"/>
-          </a:xfrm>
-          <a:prstGeom prst="rect">
-            <a:avLst/>
-          </a:prstGeom>
-          <a:noFill/>
-          <a:ln>
-            <a:noFill/>
-          </a:ln>
-        </p:spPr>
-      </p:pic>
-      <p:sp>
-        <p:nvSpPr>
-          <p:cNvPr id="170" name="Google Shape;170;p23"/>
-          <p:cNvSpPr txBox="1"/>
-          <p:nvPr/>
-        </p:nvSpPr>
-        <p:spPr>
-          <a:xfrm>
-            <a:off x="0" y="3044279"/>
-            <a:ext cx="12191999" cy="769441"/>
-          </a:xfrm>
-          <a:prstGeom prst="rect">
-            <a:avLst/>
-          </a:prstGeom>
-          <a:noFill/>
-          <a:ln>
-            <a:noFill/>
-          </a:ln>
-        </p:spPr>
-        <p:txBody>
-          <a:bodyPr anchorCtr="0" anchor="t" bIns="45700" lIns="91425" spcFirstLastPara="1" rIns="91425" wrap="square" tIns="45700">
-            <a:spAutoFit/>
-          </a:bodyPr>
-          <a:lstStyle/>
-          <a:p>
-            <a:pPr indent="0" lvl="0" marL="0" marR="0" rtl="0" algn="ctr">
-              <a:spcBef>
-                <a:spcPts val="0"/>
-              </a:spcBef>
-              <a:spcAft>
-                <a:spcPts val="0"/>
-              </a:spcAft>
-              <a:buNone/>
-            </a:pPr>
-            <a:r>
-              <a:rPr lang="es-CL" sz="4400">
-                <a:solidFill>
-                  <a:schemeClr val="dk1"/>
-                </a:solidFill>
-                <a:latin typeface="Calibri"/>
-                <a:ea typeface="Calibri"/>
-                <a:cs typeface="Calibri"/>
-                <a:sym typeface="Calibri"/>
-              </a:rPr>
-              <a:t>PREGUNTAS DE LA COMISIÓN</a:t>
-            </a:r>
-            <a:endParaRPr/>
-          </a:p>
-        </p:txBody>
-      </p:sp>
-    </p:spTree>
-  </p:cSld>
-  <p:clrMapOvr>
-    <a:masterClrMapping/>
-  </p:clrMapOvr>
-</p:sld>
-</file>
-
 <file path=ppt/slides/slide2.xml><?xml version="1.0" encoding="utf-8"?>
 <p:sld xmlns:a="http://schemas.openxmlformats.org/drawingml/2006/main" xmlns:r="http://schemas.openxmlformats.org/officeDocument/2006/relationships" xmlns:mc="http://schemas.openxmlformats.org/markup-compatibility/2006" xmlns:mv="urn:schemas-microsoft-com:mac:vml" xmlns:p="http://schemas.openxmlformats.org/presentationml/2006/main" xmlns:c="http://schemas.openxmlformats.org/drawingml/2006/chart" xmlns:dgm="http://schemas.openxmlformats.org/drawingml/2006/diagram" xmlns:o="urn:schemas-microsoft-com:office:office" xmlns:v="urn:schemas-microsoft-com:vml" xmlns:pvml="urn:schemas-microsoft-com:office:powerpoint" xmlns:com="http://schemas.openxmlformats.org/drawingml/2006/compatibility" xmlns:p14="http://schemas.microsoft.com/office/powerpoint/2010/main" xmlns:p15="http://schemas.microsoft.com/office/powerpoint/2012/main" xmlns:ahyp="http://schemas.microsoft.com/office/drawing/2018/hyperlinkcolor">
   <p:cSld>
@@ -12479,7 +12075,7 @@
                 <a:cs typeface="Calibri"/>
                 <a:sym typeface="Calibri"/>
               </a:rPr>
-              <a:t>Problema o dolor</a:t>
+              <a:t>Problema</a:t>
             </a:r>
             <a:endParaRPr/>
           </a:p>
@@ -12539,7 +12135,7 @@
             </a:endParaRPr>
           </a:p>
           <a:p>
-            <a:pPr indent="0" lvl="0" marL="0" marR="0" rtl="0" algn="ctr">
+            <a:pPr indent="0" lvl="0" marL="0" marR="0" rtl="0" algn="l">
               <a:spcBef>
                 <a:spcPts val="0"/>
               </a:spcBef>
@@ -12549,9 +12145,54 @@
               <a:buNone/>
             </a:pPr>
             <a:r>
-              <a:t/>
+              <a:rPr lang="es-CL" sz="1800">
+                <a:solidFill>
+                  <a:schemeClr val="dk1"/>
+                </a:solidFill>
+                <a:latin typeface="Calibri"/>
+                <a:ea typeface="Calibri"/>
+                <a:cs typeface="Calibri"/>
+                <a:sym typeface="Calibri"/>
+              </a:rPr>
+              <a:t>Mantener al </a:t>
             </a:r>
-            <a:endParaRPr sz="1800" u="sng">
+            <a:r>
+              <a:rPr lang="es-CL" sz="1800">
+                <a:solidFill>
+                  <a:schemeClr val="dk1"/>
+                </a:solidFill>
+                <a:latin typeface="Calibri"/>
+                <a:ea typeface="Calibri"/>
+                <a:cs typeface="Calibri"/>
+                <a:sym typeface="Calibri"/>
+              </a:rPr>
+              <a:t>día</a:t>
+            </a:r>
+            <a:r>
+              <a:rPr lang="es-CL" sz="1800">
+                <a:solidFill>
+                  <a:schemeClr val="dk1"/>
+                </a:solidFill>
+                <a:latin typeface="Calibri"/>
+                <a:ea typeface="Calibri"/>
+                <a:cs typeface="Calibri"/>
+                <a:sym typeface="Calibri"/>
+              </a:rPr>
+              <a:t> el inventario de productos </a:t>
+            </a:r>
+            <a:r>
+              <a:rPr lang="es-CL" sz="1800">
+                <a:solidFill>
+                  <a:schemeClr val="dk1"/>
+                </a:solidFill>
+                <a:latin typeface="Calibri"/>
+                <a:ea typeface="Calibri"/>
+                <a:cs typeface="Calibri"/>
+                <a:sym typeface="Calibri"/>
+              </a:rPr>
+              <a:t>disponibles.</a:t>
+            </a:r>
+            <a:endParaRPr sz="1800">
               <a:solidFill>
                 <a:schemeClr val="dk1"/>
               </a:solidFill>
@@ -13820,7 +13461,7 @@
             <a:tbl>
               <a:tblPr>
                 <a:noFill/>
-                <a:tableStyleId>{EE8949D7-D6BC-4E81-8D66-69431DF4B18E}</a:tableStyleId>
+                <a:tableStyleId>{E6FDDBD2-D366-4A79-8358-B59C7CACFCA6}</a:tableStyleId>
               </a:tblPr>
               <a:tblGrid>
                 <a:gridCol w="5143500"/>
@@ -14332,8 +13973,8 @@
         </p:nvSpPr>
         <p:spPr>
           <a:xfrm>
-            <a:off x="0" y="1432655"/>
-            <a:ext cx="12191999" cy="646331"/>
+            <a:off x="0" y="823530"/>
+            <a:ext cx="12192000" cy="646500"/>
           </a:xfrm>
           <a:prstGeom prst="rect">
             <a:avLst/>
@@ -14368,17 +14009,9 @@
                 <a:cs typeface="Calibri"/>
                 <a:sym typeface="Calibri"/>
               </a:rPr>
-              <a:t>Metodología de trabajo para el desarrollo del proyecto</a:t>
+              <a:t>Modelo de datos</a:t>
             </a:r>
-            <a:endParaRPr sz="1800">
-              <a:solidFill>
-                <a:schemeClr val="dk1"/>
-              </a:solidFill>
-              <a:latin typeface="Calibri"/>
-              <a:ea typeface="Calibri"/>
-              <a:cs typeface="Calibri"/>
-              <a:sym typeface="Calibri"/>
-            </a:endParaRPr>
+            <a:endParaRPr/>
           </a:p>
         </p:txBody>
       </p:sp>
@@ -14408,6 +14041,34 @@
           </a:ln>
         </p:spPr>
       </p:cxnSp>
+      <p:pic>
+        <p:nvPicPr>
+          <p:cNvPr id="126" name="Google Shape;126;p17"/>
+          <p:cNvPicPr preferRelativeResize="0"/>
+          <p:nvPr/>
+        </p:nvPicPr>
+        <p:blipFill>
+          <a:blip r:embed="rId4">
+            <a:alphaModFix/>
+          </a:blip>
+          <a:stretch>
+            <a:fillRect/>
+          </a:stretch>
+        </p:blipFill>
+        <p:spPr>
+          <a:xfrm>
+            <a:off x="2999313" y="1555302"/>
+            <a:ext cx="6193375" cy="5026124"/>
+          </a:xfrm>
+          <a:prstGeom prst="rect">
+            <a:avLst/>
+          </a:prstGeom>
+          <a:noFill/>
+          <a:ln>
+            <a:noFill/>
+          </a:ln>
+        </p:spPr>
+      </p:pic>
     </p:spTree>
   </p:cSld>
   <p:clrMapOvr>
@@ -14421,7 +14082,7 @@
   <p:cSld>
     <p:spTree>
       <p:nvGrpSpPr>
-        <p:cNvPr id="129" name="Shape 129"/>
+        <p:cNvPr id="130" name="Shape 130"/>
         <p:cNvGrpSpPr/>
         <p:nvPr/>
       </p:nvGrpSpPr>
@@ -14435,7 +14096,7 @@
       </p:grpSpPr>
       <p:pic>
         <p:nvPicPr>
-          <p:cNvPr descr="EscuelaIT Duoc UC - Escuela de Informática y Telecomunicaciones Duoc UC - Duoc  UC | LinkedIn" id="130" name="Google Shape;130;p18"/>
+          <p:cNvPr descr="EscuelaIT Duoc UC - Escuela de Informática y Telecomunicaciones Duoc UC - Duoc  UC | LinkedIn" id="131" name="Google Shape;131;p18"/>
           <p:cNvPicPr preferRelativeResize="0"/>
           <p:nvPr/>
         </p:nvPicPr>
@@ -14462,7 +14123,7 @@
       </p:pic>
       <p:sp>
         <p:nvSpPr>
-          <p:cNvPr id="131" name="Google Shape;131;p18"/>
+          <p:cNvPr id="132" name="Google Shape;132;p18"/>
           <p:cNvSpPr txBox="1"/>
           <p:nvPr/>
         </p:nvSpPr>
@@ -14536,14 +14197,14 @@
       </p:sp>
       <p:sp>
         <p:nvSpPr>
-          <p:cNvPr id="132" name="Google Shape;132;p18"/>
+          <p:cNvPr id="133" name="Google Shape;133;p18"/>
           <p:cNvSpPr txBox="1"/>
           <p:nvPr/>
         </p:nvSpPr>
         <p:spPr>
           <a:xfrm>
-            <a:off x="0" y="823530"/>
-            <a:ext cx="12192000" cy="646500"/>
+            <a:off x="0" y="1432655"/>
+            <a:ext cx="12191999" cy="646331"/>
           </a:xfrm>
           <a:prstGeom prst="rect">
             <a:avLst/>
@@ -14578,7 +14239,7 @@
                 <a:cs typeface="Calibri"/>
                 <a:sym typeface="Calibri"/>
               </a:rPr>
-              <a:t>Arquitectura del software</a:t>
+              <a:t>Tecnologías utilizadas</a:t>
             </a:r>
             <a:endParaRPr/>
           </a:p>
@@ -14586,7 +14247,7 @@
       </p:sp>
       <p:cxnSp>
         <p:nvCxnSpPr>
-          <p:cNvPr id="133" name="Google Shape;133;p18"/>
+          <p:cNvPr id="134" name="Google Shape;134;p18"/>
           <p:cNvCxnSpPr/>
           <p:nvPr/>
         </p:nvCxnSpPr>
@@ -14612,237 +14273,7 @@
       </p:cxnSp>
       <p:pic>
         <p:nvPicPr>
-          <p:cNvPr id="134" name="Google Shape;134;p18"/>
-          <p:cNvPicPr preferRelativeResize="0"/>
-          <p:nvPr/>
-        </p:nvPicPr>
-        <p:blipFill>
-          <a:blip r:embed="rId4">
-            <a:alphaModFix/>
-          </a:blip>
-          <a:stretch>
-            <a:fillRect/>
-          </a:stretch>
-        </p:blipFill>
-        <p:spPr>
-          <a:xfrm>
-            <a:off x="2999313" y="1555302"/>
-            <a:ext cx="6193375" cy="5026124"/>
-          </a:xfrm>
-          <a:prstGeom prst="rect">
-            <a:avLst/>
-          </a:prstGeom>
-          <a:noFill/>
-          <a:ln>
-            <a:noFill/>
-          </a:ln>
-        </p:spPr>
-      </p:pic>
-    </p:spTree>
-  </p:cSld>
-  <p:clrMapOvr>
-    <a:masterClrMapping/>
-  </p:clrMapOvr>
-</p:sld>
-</file>
-
-<file path=ppt/slides/slide7.xml><?xml version="1.0" encoding="utf-8"?>
-<p:sld xmlns:a="http://schemas.openxmlformats.org/drawingml/2006/main" xmlns:r="http://schemas.openxmlformats.org/officeDocument/2006/relationships" xmlns:mc="http://schemas.openxmlformats.org/markup-compatibility/2006" xmlns:mv="urn:schemas-microsoft-com:mac:vml" xmlns:p="http://schemas.openxmlformats.org/presentationml/2006/main" xmlns:c="http://schemas.openxmlformats.org/drawingml/2006/chart" xmlns:dgm="http://schemas.openxmlformats.org/drawingml/2006/diagram" xmlns:o="urn:schemas-microsoft-com:office:office" xmlns:v="urn:schemas-microsoft-com:vml" xmlns:pvml="urn:schemas-microsoft-com:office:powerpoint" xmlns:com="http://schemas.openxmlformats.org/drawingml/2006/compatibility" xmlns:p14="http://schemas.microsoft.com/office/powerpoint/2010/main" xmlns:p15="http://schemas.microsoft.com/office/powerpoint/2012/main" xmlns:ahyp="http://schemas.microsoft.com/office/drawing/2018/hyperlinkcolor">
-  <p:cSld>
-    <p:spTree>
-      <p:nvGrpSpPr>
-        <p:cNvPr id="138" name="Shape 138"/>
-        <p:cNvGrpSpPr/>
-        <p:nvPr/>
-      </p:nvGrpSpPr>
-      <p:grpSpPr>
-        <a:xfrm>
-          <a:off x="0" y="0"/>
-          <a:ext cx="0" cy="0"/>
-          <a:chOff x="0" y="0"/>
-          <a:chExt cx="0" cy="0"/>
-        </a:xfrm>
-      </p:grpSpPr>
-      <p:pic>
-        <p:nvPicPr>
-          <p:cNvPr descr="EscuelaIT Duoc UC - Escuela de Informática y Telecomunicaciones Duoc UC - Duoc  UC | LinkedIn" id="139" name="Google Shape;139;p19"/>
-          <p:cNvPicPr preferRelativeResize="0"/>
-          <p:nvPr/>
-        </p:nvPicPr>
-        <p:blipFill rotWithShape="1">
-          <a:blip r:embed="rId3">
-            <a:alphaModFix/>
-          </a:blip>
-          <a:srcRect b="0" l="0" r="0" t="0"/>
-          <a:stretch/>
-        </p:blipFill>
-        <p:spPr>
-          <a:xfrm>
-            <a:off x="8772152" y="207550"/>
-            <a:ext cx="3141406" cy="785352"/>
-          </a:xfrm>
-          <a:prstGeom prst="rect">
-            <a:avLst/>
-          </a:prstGeom>
-          <a:noFill/>
-          <a:ln>
-            <a:noFill/>
-          </a:ln>
-        </p:spPr>
-      </p:pic>
-      <p:sp>
-        <p:nvSpPr>
-          <p:cNvPr id="140" name="Google Shape;140;p19"/>
-          <p:cNvSpPr txBox="1"/>
-          <p:nvPr/>
-        </p:nvSpPr>
-        <p:spPr>
-          <a:xfrm>
-            <a:off x="136188" y="368928"/>
-            <a:ext cx="12191999" cy="369332"/>
-          </a:xfrm>
-          <a:prstGeom prst="rect">
-            <a:avLst/>
-          </a:prstGeom>
-          <a:noFill/>
-          <a:ln>
-            <a:noFill/>
-          </a:ln>
-        </p:spPr>
-        <p:txBody>
-          <a:bodyPr anchorCtr="0" anchor="t" bIns="45700" lIns="91425" spcFirstLastPara="1" rIns="91425" wrap="square" tIns="45700">
-            <a:spAutoFit/>
-          </a:bodyPr>
-          <a:lstStyle/>
-          <a:p>
-            <a:pPr indent="0" lvl="0" marL="0" marR="0" rtl="0" algn="l">
-              <a:spcBef>
-                <a:spcPts val="0"/>
-              </a:spcBef>
-              <a:spcAft>
-                <a:spcPts val="0"/>
-              </a:spcAft>
-              <a:buNone/>
-            </a:pPr>
-            <a:r>
-              <a:rPr lang="es-CL" sz="1800">
-                <a:solidFill>
-                  <a:srgbClr val="757070"/>
-                </a:solidFill>
-                <a:latin typeface="Calibri"/>
-                <a:ea typeface="Calibri"/>
-                <a:cs typeface="Calibri"/>
-                <a:sym typeface="Calibri"/>
-              </a:rPr>
-              <a:t>PROYECTO “</a:t>
-            </a:r>
-            <a:r>
-              <a:rPr lang="es-CL" sz="1800">
-                <a:solidFill>
-                  <a:srgbClr val="757070"/>
-                </a:solidFill>
-                <a:latin typeface="Calibri"/>
-                <a:ea typeface="Calibri"/>
-                <a:cs typeface="Calibri"/>
-                <a:sym typeface="Calibri"/>
-              </a:rPr>
-              <a:t>Librería Estrella</a:t>
-            </a:r>
-            <a:r>
-              <a:rPr lang="es-CL" sz="1800">
-                <a:solidFill>
-                  <a:srgbClr val="757070"/>
-                </a:solidFill>
-                <a:latin typeface="Calibri"/>
-                <a:ea typeface="Calibri"/>
-                <a:cs typeface="Calibri"/>
-                <a:sym typeface="Calibri"/>
-              </a:rPr>
-              <a:t>”</a:t>
-            </a:r>
-            <a:endParaRPr/>
-          </a:p>
-        </p:txBody>
-      </p:sp>
-      <p:sp>
-        <p:nvSpPr>
-          <p:cNvPr id="141" name="Google Shape;141;p19"/>
-          <p:cNvSpPr txBox="1"/>
-          <p:nvPr/>
-        </p:nvSpPr>
-        <p:spPr>
-          <a:xfrm>
-            <a:off x="0" y="1432655"/>
-            <a:ext cx="12191999" cy="646331"/>
-          </a:xfrm>
-          <a:prstGeom prst="rect">
-            <a:avLst/>
-          </a:prstGeom>
-          <a:noFill/>
-          <a:ln>
-            <a:noFill/>
-          </a:ln>
-        </p:spPr>
-        <p:txBody>
-          <a:bodyPr anchorCtr="0" anchor="t" bIns="45700" lIns="91425" spcFirstLastPara="1" rIns="91425" wrap="square" tIns="45700">
-            <a:spAutoFit/>
-          </a:bodyPr>
-          <a:lstStyle/>
-          <a:p>
-            <a:pPr indent="0" lvl="0" marL="0" marR="0" rtl="0" algn="ctr">
-              <a:spcBef>
-                <a:spcPts val="0"/>
-              </a:spcBef>
-              <a:spcAft>
-                <a:spcPts val="0"/>
-              </a:spcAft>
-              <a:buNone/>
-            </a:pPr>
-            <a:r>
-              <a:rPr lang="es-CL" sz="3600">
-                <a:solidFill>
-                  <a:schemeClr val="dk1"/>
-                </a:solidFill>
-                <a:latin typeface="Calibri"/>
-                <a:ea typeface="Calibri"/>
-                <a:cs typeface="Calibri"/>
-                <a:sym typeface="Calibri"/>
-              </a:rPr>
-              <a:t>Tecnologías utilizadas</a:t>
-            </a:r>
-            <a:endParaRPr/>
-          </a:p>
-        </p:txBody>
-      </p:sp>
-      <p:cxnSp>
-        <p:nvCxnSpPr>
-          <p:cNvPr id="142" name="Google Shape;142;p19"/>
-          <p:cNvCxnSpPr/>
-          <p:nvPr/>
-        </p:nvCxnSpPr>
-        <p:spPr>
-          <a:xfrm>
-            <a:off x="0" y="758027"/>
-            <a:ext cx="4085617" cy="0"/>
-          </a:xfrm>
-          <a:prstGeom prst="straightConnector1">
-            <a:avLst/>
-          </a:prstGeom>
-          <a:noFill/>
-          <a:ln cap="flat" cmpd="sng" w="15875">
-            <a:solidFill>
-              <a:srgbClr val="F5F7FC"/>
-            </a:solidFill>
-            <a:prstDash val="solid"/>
-            <a:miter lim="800000"/>
-            <a:headEnd len="sm" w="sm" type="none"/>
-            <a:tailEnd len="sm" w="sm" type="none"/>
-          </a:ln>
-        </p:spPr>
-      </p:cxnSp>
-      <p:pic>
-        <p:nvPicPr>
-          <p:cNvPr id="143" name="Google Shape;143;p19"/>
+          <p:cNvPr id="135" name="Google Shape;135;p18"/>
           <p:cNvPicPr preferRelativeResize="0"/>
           <p:nvPr/>
         </p:nvPicPr>
@@ -14870,7 +14301,7 @@
       </p:pic>
       <p:pic>
         <p:nvPicPr>
-          <p:cNvPr id="144" name="Google Shape;144;p19"/>
+          <p:cNvPr id="136" name="Google Shape;136;p18"/>
           <p:cNvPicPr preferRelativeResize="0"/>
           <p:nvPr/>
         </p:nvPicPr>
@@ -14898,7 +14329,7 @@
       </p:pic>
       <p:pic>
         <p:nvPicPr>
-          <p:cNvPr id="145" name="Google Shape;145;p19"/>
+          <p:cNvPr id="137" name="Google Shape;137;p18"/>
           <p:cNvPicPr preferRelativeResize="0"/>
           <p:nvPr/>
         </p:nvPicPr>
@@ -14926,7 +14357,7 @@
       </p:pic>
       <p:pic>
         <p:nvPicPr>
-          <p:cNvPr id="146" name="Google Shape;146;p19"/>
+          <p:cNvPr id="138" name="Google Shape;138;p18"/>
           <p:cNvPicPr preferRelativeResize="0"/>
           <p:nvPr/>
         </p:nvPicPr>
@@ -14960,12 +14391,12 @@
 </p:sld>
 </file>
 
-<file path=ppt/slides/slide8.xml><?xml version="1.0" encoding="utf-8"?>
+<file path=ppt/slides/slide7.xml><?xml version="1.0" encoding="utf-8"?>
 <p:sld xmlns:a="http://schemas.openxmlformats.org/drawingml/2006/main" xmlns:r="http://schemas.openxmlformats.org/officeDocument/2006/relationships" xmlns:mc="http://schemas.openxmlformats.org/markup-compatibility/2006" xmlns:mv="urn:schemas-microsoft-com:mac:vml" xmlns:p="http://schemas.openxmlformats.org/presentationml/2006/main" xmlns:c="http://schemas.openxmlformats.org/drawingml/2006/chart" xmlns:dgm="http://schemas.openxmlformats.org/drawingml/2006/diagram" xmlns:o="urn:schemas-microsoft-com:office:office" xmlns:v="urn:schemas-microsoft-com:vml" xmlns:pvml="urn:schemas-microsoft-com:office:powerpoint" xmlns:com="http://schemas.openxmlformats.org/drawingml/2006/compatibility" xmlns:p14="http://schemas.microsoft.com/office/powerpoint/2010/main" xmlns:p15="http://schemas.microsoft.com/office/powerpoint/2012/main" xmlns:ahyp="http://schemas.microsoft.com/office/drawing/2018/hyperlinkcolor">
   <p:cSld>
     <p:spTree>
       <p:nvGrpSpPr>
-        <p:cNvPr id="150" name="Shape 150"/>
+        <p:cNvPr id="142" name="Shape 142"/>
         <p:cNvGrpSpPr/>
         <p:nvPr/>
       </p:nvGrpSpPr>
@@ -14979,7 +14410,7 @@
       </p:grpSpPr>
       <p:pic>
         <p:nvPicPr>
-          <p:cNvPr descr="EscuelaIT Duoc UC - Escuela de Informática y Telecomunicaciones Duoc UC - Duoc  UC | LinkedIn" id="151" name="Google Shape;151;p20"/>
+          <p:cNvPr descr="EscuelaIT Duoc UC - Escuela de Informática y Telecomunicaciones Duoc UC - Duoc  UC | LinkedIn" id="143" name="Google Shape;143;p19"/>
           <p:cNvPicPr preferRelativeResize="0"/>
           <p:nvPr/>
         </p:nvPicPr>
@@ -15006,7 +14437,7 @@
       </p:pic>
       <p:sp>
         <p:nvSpPr>
-          <p:cNvPr id="152" name="Google Shape;152;p20"/>
+          <p:cNvPr id="144" name="Google Shape;144;p19"/>
           <p:cNvSpPr txBox="1"/>
           <p:nvPr/>
         </p:nvSpPr>
@@ -15070,12 +14501,12 @@
 </p:sld>
 </file>
 
-<file path=ppt/slides/slide9.xml><?xml version="1.0" encoding="utf-8"?>
+<file path=ppt/slides/slide8.xml><?xml version="1.0" encoding="utf-8"?>
 <p:sld xmlns:a="http://schemas.openxmlformats.org/drawingml/2006/main" xmlns:r="http://schemas.openxmlformats.org/officeDocument/2006/relationships" xmlns:mc="http://schemas.openxmlformats.org/markup-compatibility/2006" xmlns:mv="urn:schemas-microsoft-com:mac:vml" xmlns:p="http://schemas.openxmlformats.org/presentationml/2006/main" xmlns:c="http://schemas.openxmlformats.org/drawingml/2006/chart" xmlns:dgm="http://schemas.openxmlformats.org/drawingml/2006/diagram" xmlns:o="urn:schemas-microsoft-com:office:office" xmlns:v="urn:schemas-microsoft-com:vml" xmlns:pvml="urn:schemas-microsoft-com:office:powerpoint" xmlns:com="http://schemas.openxmlformats.org/drawingml/2006/compatibility" xmlns:p14="http://schemas.microsoft.com/office/powerpoint/2010/main" xmlns:p15="http://schemas.microsoft.com/office/powerpoint/2012/main" xmlns:ahyp="http://schemas.microsoft.com/office/drawing/2018/hyperlinkcolor">
   <p:cSld>
     <p:spTree>
       <p:nvGrpSpPr>
-        <p:cNvPr id="156" name="Shape 156"/>
+        <p:cNvPr id="148" name="Shape 148"/>
         <p:cNvGrpSpPr/>
         <p:nvPr/>
       </p:nvGrpSpPr>
@@ -15089,7 +14520,7 @@
       </p:grpSpPr>
       <p:pic>
         <p:nvPicPr>
-          <p:cNvPr descr="EscuelaIT Duoc UC - Escuela de Informática y Telecomunicaciones Duoc UC - Duoc  UC | LinkedIn" id="157" name="Google Shape;157;p21"/>
+          <p:cNvPr descr="EscuelaIT Duoc UC - Escuela de Informática y Telecomunicaciones Duoc UC - Duoc  UC | LinkedIn" id="149" name="Google Shape;149;p20"/>
           <p:cNvPicPr preferRelativeResize="0"/>
           <p:nvPr/>
         </p:nvPicPr>
@@ -15116,13 +14547,13 @@
       </p:pic>
       <p:sp>
         <p:nvSpPr>
-          <p:cNvPr id="158" name="Google Shape;158;p21"/>
+          <p:cNvPr id="150" name="Google Shape;150;p20"/>
           <p:cNvSpPr txBox="1"/>
           <p:nvPr/>
         </p:nvSpPr>
         <p:spPr>
           <a:xfrm>
-            <a:off x="1" y="1459095"/>
+            <a:off x="1" y="1360773"/>
             <a:ext cx="12191999" cy="769441"/>
           </a:xfrm>
           <a:prstGeom prst="rect">
@@ -15158,7 +14589,379 @@
                 <a:cs typeface="Calibri"/>
                 <a:sym typeface="Calibri"/>
               </a:rPr>
-              <a:t>Resultados obtenidos</a:t>
+              <a:t>Obstáculos presentados durante el desarrollo</a:t>
+            </a:r>
+            <a:endParaRPr/>
+          </a:p>
+        </p:txBody>
+      </p:sp>
+      <p:sp>
+        <p:nvSpPr>
+          <p:cNvPr id="151" name="Google Shape;151;p20"/>
+          <p:cNvSpPr txBox="1"/>
+          <p:nvPr/>
+        </p:nvSpPr>
+        <p:spPr>
+          <a:xfrm>
+            <a:off x="956700" y="2711775"/>
+            <a:ext cx="4326900" cy="2226600"/>
+          </a:xfrm>
+          <a:prstGeom prst="rect">
+            <a:avLst/>
+          </a:prstGeom>
+          <a:noFill/>
+          <a:ln>
+            <a:noFill/>
+          </a:ln>
+        </p:spPr>
+        <p:txBody>
+          <a:bodyPr anchorCtr="0" anchor="t" bIns="91425" lIns="91425" spcFirstLastPara="1" rIns="91425" wrap="square" tIns="91425">
+            <a:noAutofit/>
+          </a:bodyPr>
+          <a:lstStyle/>
+          <a:p>
+            <a:pPr indent="-342900" lvl="0" marL="457200" rtl="0" algn="l">
+              <a:spcBef>
+                <a:spcPts val="0"/>
+              </a:spcBef>
+              <a:spcAft>
+                <a:spcPts val="0"/>
+              </a:spcAft>
+              <a:buClr>
+                <a:schemeClr val="dk1"/>
+              </a:buClr>
+              <a:buSzPts val="1800"/>
+              <a:buFont typeface="Calibri"/>
+              <a:buChar char="●"/>
+            </a:pPr>
+            <a:r>
+              <a:rPr lang="es-CL" sz="1800">
+                <a:solidFill>
+                  <a:schemeClr val="dk1"/>
+                </a:solidFill>
+                <a:latin typeface="Calibri"/>
+                <a:ea typeface="Calibri"/>
+                <a:cs typeface="Calibri"/>
+                <a:sym typeface="Calibri"/>
+              </a:rPr>
+              <a:t>Tiempos</a:t>
+            </a:r>
+            <a:endParaRPr sz="1800">
+              <a:solidFill>
+                <a:schemeClr val="dk1"/>
+              </a:solidFill>
+              <a:latin typeface="Calibri"/>
+              <a:ea typeface="Calibri"/>
+              <a:cs typeface="Calibri"/>
+              <a:sym typeface="Calibri"/>
+            </a:endParaRPr>
+          </a:p>
+          <a:p>
+            <a:pPr indent="-342900" lvl="0" marL="457200" rtl="0" algn="l">
+              <a:spcBef>
+                <a:spcPts val="0"/>
+              </a:spcBef>
+              <a:spcAft>
+                <a:spcPts val="0"/>
+              </a:spcAft>
+              <a:buClr>
+                <a:schemeClr val="dk1"/>
+              </a:buClr>
+              <a:buSzPts val="1800"/>
+              <a:buFont typeface="Calibri"/>
+              <a:buChar char="●"/>
+            </a:pPr>
+            <a:r>
+              <a:rPr lang="es-CL" sz="1800">
+                <a:solidFill>
+                  <a:schemeClr val="dk1"/>
+                </a:solidFill>
+                <a:latin typeface="Calibri"/>
+                <a:ea typeface="Calibri"/>
+                <a:cs typeface="Calibri"/>
+                <a:sym typeface="Calibri"/>
+              </a:rPr>
+              <a:t>Falta de experiencia</a:t>
+            </a:r>
+            <a:endParaRPr sz="1800">
+              <a:solidFill>
+                <a:schemeClr val="dk1"/>
+              </a:solidFill>
+              <a:latin typeface="Calibri"/>
+              <a:ea typeface="Calibri"/>
+              <a:cs typeface="Calibri"/>
+              <a:sym typeface="Calibri"/>
+            </a:endParaRPr>
+          </a:p>
+          <a:p>
+            <a:pPr indent="-342900" lvl="1" marL="914400" rtl="0" algn="l">
+              <a:spcBef>
+                <a:spcPts val="0"/>
+              </a:spcBef>
+              <a:spcAft>
+                <a:spcPts val="0"/>
+              </a:spcAft>
+              <a:buClr>
+                <a:schemeClr val="dk1"/>
+              </a:buClr>
+              <a:buSzPts val="1800"/>
+              <a:buFont typeface="Calibri"/>
+              <a:buChar char="○"/>
+            </a:pPr>
+            <a:r>
+              <a:rPr lang="es-CL" sz="1800">
+                <a:solidFill>
+                  <a:schemeClr val="dk1"/>
+                </a:solidFill>
+                <a:latin typeface="Calibri"/>
+                <a:ea typeface="Calibri"/>
+                <a:cs typeface="Calibri"/>
+                <a:sym typeface="Calibri"/>
+              </a:rPr>
+              <a:t>Framework</a:t>
+            </a:r>
+            <a:endParaRPr sz="1800">
+              <a:solidFill>
+                <a:schemeClr val="dk1"/>
+              </a:solidFill>
+              <a:latin typeface="Calibri"/>
+              <a:ea typeface="Calibri"/>
+              <a:cs typeface="Calibri"/>
+              <a:sym typeface="Calibri"/>
+            </a:endParaRPr>
+          </a:p>
+          <a:p>
+            <a:pPr indent="-342900" lvl="1" marL="914400" rtl="0" algn="l">
+              <a:spcBef>
+                <a:spcPts val="0"/>
+              </a:spcBef>
+              <a:spcAft>
+                <a:spcPts val="0"/>
+              </a:spcAft>
+              <a:buClr>
+                <a:schemeClr val="dk1"/>
+              </a:buClr>
+              <a:buSzPts val="1800"/>
+              <a:buFont typeface="Calibri"/>
+              <a:buChar char="○"/>
+            </a:pPr>
+            <a:r>
+              <a:rPr lang="es-CL" sz="1800">
+                <a:solidFill>
+                  <a:schemeClr val="dk1"/>
+                </a:solidFill>
+                <a:latin typeface="Calibri"/>
+                <a:ea typeface="Calibri"/>
+                <a:cs typeface="Calibri"/>
+                <a:sym typeface="Calibri"/>
+              </a:rPr>
+              <a:t>M</a:t>
+            </a:r>
+            <a:r>
+              <a:rPr lang="es-CL" sz="1800">
+                <a:solidFill>
+                  <a:schemeClr val="dk1"/>
+                </a:solidFill>
+                <a:latin typeface="Calibri"/>
+                <a:ea typeface="Calibri"/>
+                <a:cs typeface="Calibri"/>
+                <a:sym typeface="Calibri"/>
+              </a:rPr>
+              <a:t>etodología</a:t>
+            </a:r>
+            <a:r>
+              <a:rPr lang="es-CL" sz="1800">
+                <a:solidFill>
+                  <a:schemeClr val="dk1"/>
+                </a:solidFill>
+                <a:latin typeface="Calibri"/>
+                <a:ea typeface="Calibri"/>
+                <a:cs typeface="Calibri"/>
+                <a:sym typeface="Calibri"/>
+              </a:rPr>
+              <a:t> de trabajo</a:t>
+            </a:r>
+            <a:endParaRPr sz="1800">
+              <a:solidFill>
+                <a:schemeClr val="dk1"/>
+              </a:solidFill>
+              <a:latin typeface="Calibri"/>
+              <a:ea typeface="Calibri"/>
+              <a:cs typeface="Calibri"/>
+              <a:sym typeface="Calibri"/>
+            </a:endParaRPr>
+          </a:p>
+          <a:p>
+            <a:pPr indent="-342900" lvl="0" marL="457200" rtl="0" algn="l">
+              <a:spcBef>
+                <a:spcPts val="0"/>
+              </a:spcBef>
+              <a:spcAft>
+                <a:spcPts val="0"/>
+              </a:spcAft>
+              <a:buClr>
+                <a:schemeClr val="dk1"/>
+              </a:buClr>
+              <a:buSzPts val="1800"/>
+              <a:buFont typeface="Calibri"/>
+              <a:buChar char="●"/>
+            </a:pPr>
+            <a:r>
+              <a:rPr lang="es-CL" sz="1800">
+                <a:solidFill>
+                  <a:schemeClr val="dk1"/>
+                </a:solidFill>
+                <a:latin typeface="Calibri"/>
+                <a:ea typeface="Calibri"/>
+                <a:cs typeface="Calibri"/>
+                <a:sym typeface="Calibri"/>
+              </a:rPr>
+              <a:t>D</a:t>
+            </a:r>
+            <a:r>
+              <a:rPr lang="es-CL" sz="1800">
+                <a:solidFill>
+                  <a:schemeClr val="dk1"/>
+                </a:solidFill>
+                <a:latin typeface="Calibri"/>
+                <a:ea typeface="Calibri"/>
+                <a:cs typeface="Calibri"/>
+                <a:sym typeface="Calibri"/>
+              </a:rPr>
+              <a:t>esorganización</a:t>
+            </a:r>
+            <a:endParaRPr sz="1800">
+              <a:solidFill>
+                <a:schemeClr val="dk1"/>
+              </a:solidFill>
+              <a:latin typeface="Calibri"/>
+              <a:ea typeface="Calibri"/>
+              <a:cs typeface="Calibri"/>
+              <a:sym typeface="Calibri"/>
+            </a:endParaRPr>
+          </a:p>
+          <a:p>
+            <a:pPr indent="0" lvl="0" marL="0" rtl="0" algn="l">
+              <a:spcBef>
+                <a:spcPts val="0"/>
+              </a:spcBef>
+              <a:spcAft>
+                <a:spcPts val="0"/>
+              </a:spcAft>
+              <a:buNone/>
+            </a:pPr>
+            <a:r>
+              <a:t/>
+            </a:r>
+            <a:endParaRPr sz="2800">
+              <a:solidFill>
+                <a:schemeClr val="dk1"/>
+              </a:solidFill>
+              <a:latin typeface="Calibri"/>
+              <a:ea typeface="Calibri"/>
+              <a:cs typeface="Calibri"/>
+              <a:sym typeface="Calibri"/>
+            </a:endParaRPr>
+          </a:p>
+        </p:txBody>
+      </p:sp>
+    </p:spTree>
+  </p:cSld>
+  <p:clrMapOvr>
+    <a:masterClrMapping/>
+  </p:clrMapOvr>
+</p:sld>
+</file>
+
+<file path=ppt/slides/slide9.xml><?xml version="1.0" encoding="utf-8"?>
+<p:sld xmlns:a="http://schemas.openxmlformats.org/drawingml/2006/main" xmlns:r="http://schemas.openxmlformats.org/officeDocument/2006/relationships" xmlns:mc="http://schemas.openxmlformats.org/markup-compatibility/2006" xmlns:mv="urn:schemas-microsoft-com:mac:vml" xmlns:p="http://schemas.openxmlformats.org/presentationml/2006/main" xmlns:c="http://schemas.openxmlformats.org/drawingml/2006/chart" xmlns:dgm="http://schemas.openxmlformats.org/drawingml/2006/diagram" xmlns:o="urn:schemas-microsoft-com:office:office" xmlns:v="urn:schemas-microsoft-com:vml" xmlns:pvml="urn:schemas-microsoft-com:office:powerpoint" xmlns:com="http://schemas.openxmlformats.org/drawingml/2006/compatibility" xmlns:p14="http://schemas.microsoft.com/office/powerpoint/2010/main" xmlns:p15="http://schemas.microsoft.com/office/powerpoint/2012/main" xmlns:ahyp="http://schemas.microsoft.com/office/drawing/2018/hyperlinkcolor">
+  <p:cSld>
+    <p:spTree>
+      <p:nvGrpSpPr>
+        <p:cNvPr id="155" name="Shape 155"/>
+        <p:cNvGrpSpPr/>
+        <p:nvPr/>
+      </p:nvGrpSpPr>
+      <p:grpSpPr>
+        <a:xfrm>
+          <a:off x="0" y="0"/>
+          <a:ext cx="0" cy="0"/>
+          <a:chOff x="0" y="0"/>
+          <a:chExt cx="0" cy="0"/>
+        </a:xfrm>
+      </p:grpSpPr>
+      <p:pic>
+        <p:nvPicPr>
+          <p:cNvPr descr="EscuelaIT Duoc UC - Escuela de Informática y Telecomunicaciones Duoc UC - Duoc  UC | LinkedIn" id="156" name="Google Shape;156;p21"/>
+          <p:cNvPicPr preferRelativeResize="0"/>
+          <p:nvPr/>
+        </p:nvPicPr>
+        <p:blipFill rotWithShape="1">
+          <a:blip r:embed="rId3">
+            <a:alphaModFix/>
+          </a:blip>
+          <a:srcRect b="0" l="0" r="0" t="0"/>
+          <a:stretch/>
+        </p:blipFill>
+        <p:spPr>
+          <a:xfrm>
+            <a:off x="8772152" y="207550"/>
+            <a:ext cx="3141406" cy="785352"/>
+          </a:xfrm>
+          <a:prstGeom prst="rect">
+            <a:avLst/>
+          </a:prstGeom>
+          <a:noFill/>
+          <a:ln>
+            <a:noFill/>
+          </a:ln>
+        </p:spPr>
+      </p:pic>
+      <p:sp>
+        <p:nvSpPr>
+          <p:cNvPr id="157" name="Google Shape;157;p21"/>
+          <p:cNvSpPr txBox="1"/>
+          <p:nvPr/>
+        </p:nvSpPr>
+        <p:spPr>
+          <a:xfrm>
+            <a:off x="0" y="3044279"/>
+            <a:ext cx="12191999" cy="769441"/>
+          </a:xfrm>
+          <a:prstGeom prst="rect">
+            <a:avLst/>
+          </a:prstGeom>
+          <a:noFill/>
+          <a:ln>
+            <a:noFill/>
+          </a:ln>
+        </p:spPr>
+        <p:txBody>
+          <a:bodyPr anchorCtr="0" anchor="t" bIns="45700" lIns="91425" spcFirstLastPara="1" rIns="91425" wrap="square" tIns="45700">
+            <a:spAutoFit/>
+          </a:bodyPr>
+          <a:lstStyle/>
+          <a:p>
+            <a:pPr indent="0" lvl="0" marL="0" marR="0" rtl="0" algn="ctr">
+              <a:spcBef>
+                <a:spcPts val="0"/>
+              </a:spcBef>
+              <a:spcAft>
+                <a:spcPts val="0"/>
+              </a:spcAft>
+              <a:buNone/>
+            </a:pPr>
+            <a:r>
+              <a:rPr lang="es-CL" sz="4400">
+                <a:solidFill>
+                  <a:schemeClr val="dk1"/>
+                </a:solidFill>
+                <a:latin typeface="Calibri"/>
+                <a:ea typeface="Calibri"/>
+                <a:cs typeface="Calibri"/>
+                <a:sym typeface="Calibri"/>
+              </a:rPr>
+              <a:t>PREGUNTAS DE LA COMISIÓN</a:t>
             </a:r>
             <a:endParaRPr/>
           </a:p>
